--- a/Rendus du 18/OrdONprésentation.pptx
+++ b/Rendus du 18/OrdONprésentation.pptx
@@ -5,7 +5,7 @@
     <p:sldMasterId id="2147483725" r:id="rId1"/>
   </p:sldMasterIdLst>
   <p:notesMasterIdLst>
-    <p:notesMasterId r:id="rId12"/>
+    <p:notesMasterId r:id="rId13"/>
   </p:notesMasterIdLst>
   <p:sldIdLst>
     <p:sldId id="256" r:id="rId2"/>
@@ -16,8 +16,9 @@
     <p:sldId id="268" r:id="rId7"/>
     <p:sldId id="258" r:id="rId8"/>
     <p:sldId id="273" r:id="rId9"/>
-    <p:sldId id="275" r:id="rId10"/>
-    <p:sldId id="267" r:id="rId11"/>
+    <p:sldId id="276" r:id="rId10"/>
+    <p:sldId id="275" r:id="rId11"/>
+    <p:sldId id="267" r:id="rId12"/>
   </p:sldIdLst>
   <p:sldSz cx="12192000" cy="6858000"/>
   <p:notesSz cx="6858000" cy="9144000"/>
@@ -5937,8 +5938,8 @@
             <a:defRPr cap="all"/>
           </a:pPr>
           <a:r>
-            <a:rPr lang="fr-FR"/>
-            <a:t>Outils utilisés</a:t>
+            <a:rPr lang="fr-FR" dirty="0"/>
+            <a:t>Sécurisation du projet</a:t>
           </a:r>
         </a:p>
       </dgm:t>
@@ -6313,8 +6314,8 @@
             <a:defRPr cap="all"/>
           </a:pPr>
           <a:r>
-            <a:rPr lang="fr-FR"/>
-            <a:t>Outils utilisés</a:t>
+            <a:rPr lang="fr-FR" dirty="0"/>
+            <a:t>Sécurisation du projet</a:t>
           </a:r>
         </a:p>
       </dgm:t>
@@ -6792,8 +6793,8 @@
             <a:defRPr cap="all"/>
           </a:pPr>
           <a:r>
-            <a:rPr lang="fr-FR"/>
-            <a:t>Outils utilisés</a:t>
+            <a:rPr lang="fr-FR" dirty="0"/>
+            <a:t>Sécurisation du projet</a:t>
           </a:r>
         </a:p>
       </dgm:t>
@@ -7343,10 +7344,9 @@
             <a:defRPr cap="all"/>
           </a:pPr>
           <a:r>
-            <a:rPr lang="fr-FR" dirty="0" err="1"/>
-            <a:t>Prévisionelle</a:t>
+            <a:rPr lang="fr-FR" dirty="0"/>
+            <a:t>Prévisionnelle</a:t>
           </a:r>
-          <a:endParaRPr lang="fr-FR" dirty="0"/>
         </a:p>
       </dgm:t>
     </dgm:pt>
@@ -8333,7 +8333,7 @@
         </a:bodyPr>
         <a:lstStyle/>
         <a:p>
-          <a:pPr marL="0" lvl="0" indent="0" algn="ctr" defTabSz="1555750">
+          <a:pPr marL="0" lvl="0" indent="0" algn="ctr" defTabSz="933450">
             <a:lnSpc>
               <a:spcPct val="100000"/>
             </a:lnSpc>
@@ -8347,7 +8347,7 @@
             <a:defRPr cap="all"/>
           </a:pPr>
           <a:r>
-            <a:rPr lang="fr-FR" sz="3500" kern="1200"/>
+            <a:rPr lang="fr-FR" sz="2100" kern="1200"/>
             <a:t>Préambule</a:t>
           </a:r>
         </a:p>
@@ -8483,7 +8483,7 @@
         </a:bodyPr>
         <a:lstStyle/>
         <a:p>
-          <a:pPr marL="0" lvl="0" indent="0" algn="ctr" defTabSz="1555750">
+          <a:pPr marL="0" lvl="0" indent="0" algn="ctr" defTabSz="933450">
             <a:lnSpc>
               <a:spcPct val="100000"/>
             </a:lnSpc>
@@ -8497,7 +8497,7 @@
             <a:defRPr cap="all"/>
           </a:pPr>
           <a:r>
-            <a:rPr lang="fr-FR" sz="3500" kern="1200"/>
+            <a:rPr lang="fr-FR" sz="2100" kern="1200"/>
             <a:t>Le Projet</a:t>
           </a:r>
         </a:p>
@@ -8633,7 +8633,7 @@
         </a:bodyPr>
         <a:lstStyle/>
         <a:p>
-          <a:pPr marL="0" lvl="0" indent="0" algn="ctr" defTabSz="1555750">
+          <a:pPr marL="0" lvl="0" indent="0" algn="ctr" defTabSz="933450">
             <a:lnSpc>
               <a:spcPct val="100000"/>
             </a:lnSpc>
@@ -8647,8 +8647,8 @@
             <a:defRPr cap="all"/>
           </a:pPr>
           <a:r>
-            <a:rPr lang="fr-FR" sz="3500" kern="1200"/>
-            <a:t>Outils utilisés</a:t>
+            <a:rPr lang="fr-FR" sz="2100" kern="1200" dirty="0"/>
+            <a:t>Sécurisation du projet</a:t>
           </a:r>
         </a:p>
       </dsp:txBody>
@@ -9109,8 +9109,8 @@
             <a:defRPr cap="all"/>
           </a:pPr>
           <a:r>
-            <a:rPr lang="fr-FR" sz="2100" kern="1200"/>
-            <a:t>Outils utilisés</a:t>
+            <a:rPr lang="fr-FR" sz="2100" kern="1200" dirty="0"/>
+            <a:t>Sécurisation du projet</a:t>
           </a:r>
         </a:p>
       </dsp:txBody>
@@ -9721,8 +9721,8 @@
             <a:defRPr cap="all"/>
           </a:pPr>
           <a:r>
-            <a:rPr lang="fr-FR" sz="1600" kern="1200"/>
-            <a:t>Outils utilisés</a:t>
+            <a:rPr lang="fr-FR" sz="1600" kern="1200" dirty="0"/>
+            <a:t>Sécurisation du projet</a:t>
           </a:r>
         </a:p>
       </dsp:txBody>
@@ -10808,10 +10808,9 @@
             <a:defRPr cap="all"/>
           </a:pPr>
           <a:r>
-            <a:rPr lang="fr-FR" sz="1700" kern="1200" dirty="0" err="1"/>
-            <a:t>Prévisionelle</a:t>
+            <a:rPr lang="fr-FR" sz="1700" kern="1200" dirty="0"/>
+            <a:t>Prévisionnelle</a:t>
           </a:r>
-          <a:endParaRPr lang="fr-FR" sz="1700" kern="1200" dirty="0"/>
         </a:p>
       </dsp:txBody>
       <dsp:txXfrm>
@@ -29720,6 +29719,171 @@
 <file path=ppt/slides/slide10.xml><?xml version="1.0" encoding="utf-8"?>
 <p:sld xmlns:a="http://schemas.openxmlformats.org/drawingml/2006/main" xmlns:r="http://schemas.openxmlformats.org/officeDocument/2006/relationships" xmlns:p="http://schemas.openxmlformats.org/presentationml/2006/main">
   <p:cSld>
+    <p:spTree>
+      <p:nvGrpSpPr>
+        <p:cNvPr id="1" name=""/>
+        <p:cNvGrpSpPr/>
+        <p:nvPr/>
+      </p:nvGrpSpPr>
+      <p:grpSpPr>
+        <a:xfrm>
+          <a:off x="0" y="0"/>
+          <a:ext cx="0" cy="0"/>
+          <a:chOff x="0" y="0"/>
+          <a:chExt cx="0" cy="0"/>
+        </a:xfrm>
+      </p:grpSpPr>
+      <p:sp>
+        <p:nvSpPr>
+          <p:cNvPr id="2" name="Titre 1">
+            <a:extLst>
+              <a:ext uri="{FF2B5EF4-FFF2-40B4-BE49-F238E27FC236}">
+                <a16:creationId xmlns:a16="http://schemas.microsoft.com/office/drawing/2014/main" id="{BD68A1BE-2930-A240-BB69-F17190A2F5D8}"/>
+              </a:ext>
+            </a:extLst>
+          </p:cNvPr>
+          <p:cNvSpPr>
+            <a:spLocks noGrp="1"/>
+          </p:cNvSpPr>
+          <p:nvPr>
+            <p:ph type="title"/>
+          </p:nvPr>
+        </p:nvSpPr>
+        <p:spPr/>
+        <p:txBody>
+          <a:bodyPr/>
+          <a:lstStyle/>
+          <a:p>
+            <a:r>
+              <a:rPr lang="fr-FR" dirty="0"/>
+              <a:t>Démonstration technique</a:t>
+            </a:r>
+          </a:p>
+        </p:txBody>
+      </p:sp>
+      <p:sp>
+        <p:nvSpPr>
+          <p:cNvPr id="3" name="Espace réservé du contenu 2">
+            <a:extLst>
+              <a:ext uri="{FF2B5EF4-FFF2-40B4-BE49-F238E27FC236}">
+                <a16:creationId xmlns:a16="http://schemas.microsoft.com/office/drawing/2014/main" id="{0F7603AD-64B3-CD4F-9D5D-6804329E0CD9}"/>
+              </a:ext>
+            </a:extLst>
+          </p:cNvPr>
+          <p:cNvSpPr>
+            <a:spLocks noGrp="1"/>
+          </p:cNvSpPr>
+          <p:nvPr>
+            <p:ph idx="1"/>
+          </p:nvPr>
+        </p:nvSpPr>
+        <p:spPr/>
+        <p:txBody>
+          <a:bodyPr>
+            <a:normAutofit/>
+          </a:bodyPr>
+          <a:lstStyle/>
+          <a:p>
+            <a:endParaRPr lang="fr-FR" sz="2800" dirty="0"/>
+          </a:p>
+          <a:p>
+            <a:endParaRPr lang="fr-FR" sz="2800" dirty="0"/>
+          </a:p>
+          <a:p>
+            <a:r>
+              <a:rPr lang="fr-FR" sz="2800" dirty="0"/>
+              <a:t>Place à la démonstration technique </a:t>
+            </a:r>
+          </a:p>
+        </p:txBody>
+      </p:sp>
+      <p:pic>
+        <p:nvPicPr>
+          <p:cNvPr id="4" name="Image 3">
+            <a:extLst>
+              <a:ext uri="{FF2B5EF4-FFF2-40B4-BE49-F238E27FC236}">
+                <a16:creationId xmlns:a16="http://schemas.microsoft.com/office/drawing/2014/main" id="{74E76469-DD8A-F846-9F0B-5FB79B5BE385}"/>
+              </a:ext>
+            </a:extLst>
+          </p:cNvPr>
+          <p:cNvPicPr>
+            <a:picLocks noChangeAspect="1"/>
+          </p:cNvPicPr>
+          <p:nvPr/>
+        </p:nvPicPr>
+        <p:blipFill>
+          <a:blip r:embed="rId2"/>
+          <a:stretch>
+            <a:fillRect/>
+          </a:stretch>
+        </p:blipFill>
+        <p:spPr>
+          <a:xfrm>
+            <a:off x="10681208" y="0"/>
+            <a:ext cx="1510792" cy="452333"/>
+          </a:xfrm>
+          <a:prstGeom prst="rect">
+            <a:avLst/>
+          </a:prstGeom>
+        </p:spPr>
+      </p:pic>
+      <p:sp>
+        <p:nvSpPr>
+          <p:cNvPr id="5" name="Espace réservé du numéro de diapositive 4">
+            <a:extLst>
+              <a:ext uri="{FF2B5EF4-FFF2-40B4-BE49-F238E27FC236}">
+                <a16:creationId xmlns:a16="http://schemas.microsoft.com/office/drawing/2014/main" id="{32BE43BA-20A4-304C-B9A0-414CED5AD29F}"/>
+              </a:ext>
+            </a:extLst>
+          </p:cNvPr>
+          <p:cNvSpPr>
+            <a:spLocks noGrp="1"/>
+          </p:cNvSpPr>
+          <p:nvPr>
+            <p:ph type="sldNum" sz="quarter" idx="12"/>
+          </p:nvPr>
+        </p:nvSpPr>
+        <p:spPr/>
+        <p:txBody>
+          <a:bodyPr/>
+          <a:lstStyle/>
+          <a:p>
+            <a:fld id="{BD8A8A1B-4E1E-43EF-8A39-7D4A3879B941}" type="slidenum">
+              <a:rPr lang="en-US" smtClean="0"/>
+              <a:t>10</a:t>
+            </a:fld>
+            <a:endParaRPr lang="en-US"/>
+          </a:p>
+        </p:txBody>
+      </p:sp>
+    </p:spTree>
+    <p:extLst>
+      <p:ext uri="{BB962C8B-B14F-4D97-AF65-F5344CB8AC3E}">
+        <p14:creationId xmlns:p14="http://schemas.microsoft.com/office/powerpoint/2010/main" val="3908429661"/>
+      </p:ext>
+    </p:extLst>
+  </p:cSld>
+  <p:clrMapOvr>
+    <a:masterClrMapping/>
+  </p:clrMapOvr>
+  <mc:AlternateContent xmlns:mc="http://schemas.openxmlformats.org/markup-compatibility/2006">
+    <mc:Choice xmlns:p14="http://schemas.microsoft.com/office/powerpoint/2010/main" Requires="p14">
+      <p:transition spd="med" p14:dur="700">
+        <p:fade/>
+      </p:transition>
+    </mc:Choice>
+    <mc:Fallback>
+      <p:transition spd="med">
+        <p:fade/>
+      </p:transition>
+    </mc:Fallback>
+  </mc:AlternateContent>
+</p:sld>
+</file>
+
+<file path=ppt/slides/slide11.xml><?xml version="1.0" encoding="utf-8"?>
+<p:sld xmlns:a="http://schemas.openxmlformats.org/drawingml/2006/main" xmlns:r="http://schemas.openxmlformats.org/officeDocument/2006/relationships" xmlns:p="http://schemas.openxmlformats.org/presentationml/2006/main">
+  <p:cSld>
     <p:bg>
       <p:bgPr>
         <a:solidFill>
@@ -31204,7 +31368,7 @@
             <p:ph idx="1"/>
             <p:extLst>
               <p:ext uri="{D42A27DB-BD31-4B8C-83A1-F6EECF244321}">
-                <p14:modId xmlns:p14="http://schemas.microsoft.com/office/powerpoint/2010/main" val="4044042254"/>
+                <p14:modId xmlns:p14="http://schemas.microsoft.com/office/powerpoint/2010/main" val="1504002409"/>
               </p:ext>
             </p:extLst>
           </p:nvPr>
@@ -31272,7 +31436,7 @@
           <a:p>
             <a:fld id="{BD8A8A1B-4E1E-43EF-8A39-7D4A3879B941}" type="slidenum">
               <a:rPr lang="en-US" smtClean="0"/>
-              <a:t>10</a:t>
+              <a:t>11</a:t>
             </a:fld>
             <a:endParaRPr lang="en-US"/>
           </a:p>
@@ -32182,7 +32346,7 @@
             <p:ph idx="1"/>
             <p:extLst>
               <p:ext uri="{D42A27DB-BD31-4B8C-83A1-F6EECF244321}">
-                <p14:modId xmlns:p14="http://schemas.microsoft.com/office/powerpoint/2010/main" val="2599585339"/>
+                <p14:modId xmlns:p14="http://schemas.microsoft.com/office/powerpoint/2010/main" val="2067929377"/>
               </p:ext>
             </p:extLst>
           </p:nvPr>
@@ -32508,7 +32672,7 @@
             <p:ph idx="1"/>
             <p:extLst>
               <p:ext uri="{D42A27DB-BD31-4B8C-83A1-F6EECF244321}">
-                <p14:modId xmlns:p14="http://schemas.microsoft.com/office/powerpoint/2010/main" val="2037841351"/>
+                <p14:modId xmlns:p14="http://schemas.microsoft.com/office/powerpoint/2010/main" val="3125071023"/>
               </p:ext>
             </p:extLst>
           </p:nvPr>
@@ -32832,6 +32996,11 @@
           </p:cNvGraphicFramePr>
           <p:nvPr>
             <p:ph idx="1"/>
+            <p:extLst>
+              <p:ext uri="{D42A27DB-BD31-4B8C-83A1-F6EECF244321}">
+                <p14:modId xmlns:p14="http://schemas.microsoft.com/office/powerpoint/2010/main" val="2603327349"/>
+              </p:ext>
+            </p:extLst>
           </p:nvPr>
         </p:nvGraphicFramePr>
         <p:xfrm>
@@ -35031,6 +35200,14 @@
 <file path=ppt/slides/slide9.xml><?xml version="1.0" encoding="utf-8"?>
 <p:sld xmlns:a="http://schemas.openxmlformats.org/drawingml/2006/main" xmlns:r="http://schemas.openxmlformats.org/officeDocument/2006/relationships" xmlns:p="http://schemas.openxmlformats.org/presentationml/2006/main">
   <p:cSld>
+    <p:bg>
+      <p:bgPr>
+        <a:solidFill>
+          <a:schemeClr val="bg2"/>
+        </a:solidFill>
+        <a:effectLst/>
+      </p:bgPr>
+    </p:bg>
     <p:spTree>
       <p:nvGrpSpPr>
         <p:cNvPr id="1" name=""/>
@@ -35047,10 +35224,93 @@
       </p:grpSpPr>
       <p:sp>
         <p:nvSpPr>
+          <p:cNvPr id="29" name="Background Fill">
+            <a:extLst>
+              <a:ext uri="{FF2B5EF4-FFF2-40B4-BE49-F238E27FC236}">
+                <a16:creationId xmlns:a16="http://schemas.microsoft.com/office/drawing/2014/main" id="{03AE087C-11E2-4305-9282-D7F122FE726E}"/>
+              </a:ext>
+              <a:ext uri="{C183D7F6-B498-43B3-948B-1728B52AA6E4}">
+                <adec:decorative xmlns:adec="http://schemas.microsoft.com/office/drawing/2017/decorative" val="1"/>
+              </a:ext>
+            </a:extLst>
+          </p:cNvPr>
+          <p:cNvSpPr>
+            <a:spLocks noGrp="1" noRot="1" noChangeAspect="1" noMove="1" noResize="1" noEditPoints="1" noAdjustHandles="1" noChangeArrowheads="1" noChangeShapeType="1" noTextEdit="1"/>
+          </p:cNvSpPr>
+          <p:nvPr>
+            <p:extLst>
+              <p:ext uri="{386F3935-93C4-4BCD-93E2-E3B085C9AB24}">
+                <p16:designElem xmlns:p16="http://schemas.microsoft.com/office/powerpoint/2015/main" val="1"/>
+              </p:ext>
+            </p:extLst>
+          </p:nvPr>
+        </p:nvSpPr>
+        <p:spPr>
+          <a:xfrm>
+            <a:off x="0" y="0"/>
+            <a:ext cx="12192000" cy="6858000"/>
+          </a:xfrm>
+          <a:prstGeom prst="rect">
+            <a:avLst/>
+          </a:prstGeom>
+          <a:solidFill>
+            <a:srgbClr val="000000"/>
+          </a:solidFill>
+          <a:ln w="9525" cap="flat">
+            <a:noFill/>
+            <a:prstDash val="solid"/>
+            <a:miter/>
+          </a:ln>
+        </p:spPr>
+        <p:txBody>
+          <a:bodyPr rtlCol="0" anchor="ctr"/>
+          <a:lstStyle/>
+          <a:p>
+            <a:endParaRPr lang="en-US">
+              <a:solidFill>
+                <a:schemeClr val="tx1"/>
+              </a:solidFill>
+            </a:endParaRPr>
+          </a:p>
+        </p:txBody>
+      </p:sp>
+      <p:pic>
+        <p:nvPicPr>
+          <p:cNvPr id="10" name="Image 9">
+            <a:extLst>
+              <a:ext uri="{FF2B5EF4-FFF2-40B4-BE49-F238E27FC236}">
+                <a16:creationId xmlns:a16="http://schemas.microsoft.com/office/drawing/2014/main" id="{AF4786D9-FC8E-ED4E-B4F4-75F381F81787}"/>
+              </a:ext>
+            </a:extLst>
+          </p:cNvPr>
+          <p:cNvPicPr>
+            <a:picLocks noChangeAspect="1"/>
+          </p:cNvPicPr>
+          <p:nvPr/>
+        </p:nvPicPr>
+        <p:blipFill rotWithShape="1">
+          <a:blip r:embed="rId2">
+            <a:alphaModFix amt="60000"/>
+          </a:blip>
+          <a:srcRect l="12426" r="5372" b="-1"/>
+          <a:stretch/>
+        </p:blipFill>
+        <p:spPr>
+          <a:xfrm>
+            <a:off x="20" y="10"/>
+            <a:ext cx="12188932" cy="6857990"/>
+          </a:xfrm>
+          <a:prstGeom prst="rect">
+            <a:avLst/>
+          </a:prstGeom>
+        </p:spPr>
+      </p:pic>
+      <p:sp>
+        <p:nvSpPr>
           <p:cNvPr id="2" name="Titre 1">
             <a:extLst>
               <a:ext uri="{FF2B5EF4-FFF2-40B4-BE49-F238E27FC236}">
-                <a16:creationId xmlns:a16="http://schemas.microsoft.com/office/drawing/2014/main" id="{BD68A1BE-2930-A240-BB69-F17190A2F5D8}"/>
+                <a16:creationId xmlns:a16="http://schemas.microsoft.com/office/drawing/2014/main" id="{3D82D89D-5748-804A-B867-6E57C6F6E4CC}"/>
               </a:ext>
             </a:extLst>
           </p:cNvPr>
@@ -35061,24 +35321,47 @@
             <p:ph type="title"/>
           </p:nvPr>
         </p:nvSpPr>
-        <p:spPr/>
+        <p:spPr>
+          <a:xfrm>
+            <a:off x="457200" y="668049"/>
+            <a:ext cx="7685037" cy="1325563"/>
+          </a:xfrm>
+        </p:spPr>
         <p:txBody>
-          <a:bodyPr/>
+          <a:bodyPr>
+            <a:normAutofit/>
+          </a:bodyPr>
           <a:lstStyle/>
           <a:p>
             <a:r>
-              <a:rPr lang="fr-FR" dirty="0"/>
-              <a:t>Démonstration technique</a:t>
+              <a:rPr lang="fr-FR">
+                <a:solidFill>
+                  <a:srgbClr val="FFFFFF"/>
+                </a:solidFill>
+              </a:rPr>
+              <a:t>Sécurisation du projet</a:t>
             </a:r>
+            <a:br>
+              <a:rPr lang="fr-FR">
+                <a:solidFill>
+                  <a:srgbClr val="FFFFFF"/>
+                </a:solidFill>
+              </a:rPr>
+            </a:br>
+            <a:endParaRPr lang="fr-FR">
+              <a:solidFill>
+                <a:srgbClr val="FFFFFF"/>
+              </a:solidFill>
+            </a:endParaRPr>
           </a:p>
         </p:txBody>
       </p:sp>
       <p:sp>
         <p:nvSpPr>
-          <p:cNvPr id="3" name="Espace réservé du contenu 2">
+          <p:cNvPr id="24" name="Espace réservé du contenu 6">
             <a:extLst>
               <a:ext uri="{FF2B5EF4-FFF2-40B4-BE49-F238E27FC236}">
-                <a16:creationId xmlns:a16="http://schemas.microsoft.com/office/drawing/2014/main" id="{0F7603AD-64B3-CD4F-9D5D-6804329E0CD9}"/>
+                <a16:creationId xmlns:a16="http://schemas.microsoft.com/office/drawing/2014/main" id="{42B8658A-64F0-1440-9FC4-1EAE331359F2}"/>
               </a:ext>
             </a:extLst>
           </p:cNvPr>
@@ -35089,62 +35372,1355 @@
             <p:ph idx="1"/>
           </p:nvPr>
         </p:nvSpPr>
-        <p:spPr/>
+        <p:spPr>
+          <a:xfrm>
+            <a:off x="457200" y="2096713"/>
+            <a:ext cx="7685037" cy="4080250"/>
+          </a:xfrm>
+        </p:spPr>
         <p:txBody>
           <a:bodyPr>
             <a:normAutofit/>
           </a:bodyPr>
           <a:lstStyle/>
           <a:p>
-            <a:endParaRPr lang="fr-FR" sz="2800" dirty="0"/>
+            <a:endParaRPr lang="fr-FR" sz="2800" dirty="0">
+              <a:solidFill>
+                <a:srgbClr val="FFFFFF"/>
+              </a:solidFill>
+            </a:endParaRPr>
           </a:p>
           <a:p>
-            <a:endParaRPr lang="fr-FR" sz="2800" dirty="0"/>
+            <a:endParaRPr lang="fr-FR" sz="2800" dirty="0">
+              <a:solidFill>
+                <a:srgbClr val="FFFFFF"/>
+              </a:solidFill>
+            </a:endParaRPr>
           </a:p>
           <a:p>
             <a:r>
-              <a:rPr lang="fr-FR" sz="2800" dirty="0"/>
-              <a:t>Place à la démonstration technique </a:t>
+              <a:rPr lang="fr-FR" sz="2800" dirty="0">
+                <a:solidFill>
+                  <a:srgbClr val="FFFFFF"/>
+                </a:solidFill>
+              </a:rPr>
+              <a:t>Base de données</a:t>
+            </a:r>
+          </a:p>
+          <a:p>
+            <a:r>
+              <a:rPr lang="fr-FR" sz="2800" dirty="0">
+                <a:solidFill>
+                  <a:srgbClr val="FFFFFF"/>
+                </a:solidFill>
+              </a:rPr>
+              <a:t>Authentification</a:t>
+            </a:r>
+          </a:p>
+          <a:p>
+            <a:r>
+              <a:rPr lang="fr-FR" sz="2800" dirty="0">
+                <a:solidFill>
+                  <a:srgbClr val="FFFFFF"/>
+                </a:solidFill>
+              </a:rPr>
+              <a:t>QR code</a:t>
+            </a:r>
+          </a:p>
+          <a:p>
+            <a:r>
+              <a:rPr lang="fr-FR" sz="2800" dirty="0">
+                <a:solidFill>
+                  <a:srgbClr val="FFFFFF"/>
+                </a:solidFill>
+              </a:rPr>
+              <a:t>ID encrypté</a:t>
+            </a:r>
+          </a:p>
+          <a:p>
+            <a:r>
+              <a:rPr lang="fr-FR" sz="2800" dirty="0">
+                <a:solidFill>
+                  <a:srgbClr val="FFFFFF"/>
+                </a:solidFill>
+              </a:rPr>
+              <a:t>Hash du mot de passe (</a:t>
+            </a:r>
+            <a:r>
+              <a:rPr lang="fr-FR" sz="2800" dirty="0" err="1">
+                <a:solidFill>
+                  <a:srgbClr val="FFFFFF"/>
+                </a:solidFill>
+              </a:rPr>
+              <a:t>Bcrypt</a:t>
+            </a:r>
+            <a:r>
+              <a:rPr lang="fr-FR" sz="2800" dirty="0">
+                <a:solidFill>
+                  <a:srgbClr val="FFFFFF"/>
+                </a:solidFill>
+              </a:rPr>
+              <a:t>)</a:t>
             </a:r>
           </a:p>
         </p:txBody>
       </p:sp>
-      <p:pic>
-        <p:nvPicPr>
-          <p:cNvPr id="4" name="Image 3">
+      <p:grpSp>
+        <p:nvGrpSpPr>
+          <p:cNvPr id="31" name="Group 30">
             <a:extLst>
               <a:ext uri="{FF2B5EF4-FFF2-40B4-BE49-F238E27FC236}">
-                <a16:creationId xmlns:a16="http://schemas.microsoft.com/office/drawing/2014/main" id="{74E76469-DD8A-F846-9F0B-5FB79B5BE385}"/>
+                <a16:creationId xmlns:a16="http://schemas.microsoft.com/office/drawing/2014/main" id="{7CECCFA5-40A0-4B37-8B7B-D912C28A15C3}"/>
+              </a:ext>
+              <a:ext uri="{C183D7F6-B498-43B3-948B-1728B52AA6E4}">
+                <adec:decorative xmlns:adec="http://schemas.microsoft.com/office/drawing/2017/decorative" val="1"/>
               </a:ext>
             </a:extLst>
           </p:cNvPr>
-          <p:cNvPicPr>
-            <a:picLocks noChangeAspect="1"/>
-          </p:cNvPicPr>
-          <p:nvPr/>
-        </p:nvPicPr>
-        <p:blipFill>
-          <a:blip r:embed="rId2"/>
-          <a:stretch>
-            <a:fillRect/>
-          </a:stretch>
-        </p:blipFill>
-        <p:spPr>
+          <p:cNvGrpSpPr>
+            <a:grpSpLocks noGrp="1" noUngrp="1" noRot="1" noChangeAspect="1" noMove="1" noResize="1"/>
+          </p:cNvGrpSpPr>
+          <p:nvPr>
+            <p:extLst>
+              <p:ext uri="{386F3935-93C4-4BCD-93E2-E3B085C9AB24}">
+                <p16:designElem xmlns:p16="http://schemas.microsoft.com/office/powerpoint/2015/main" val="1"/>
+              </p:ext>
+            </p:extLst>
+          </p:nvPr>
+        </p:nvGrpSpPr>
+        <p:grpSpPr>
           <a:xfrm>
-            <a:off x="10681208" y="0"/>
-            <a:ext cx="1510792" cy="452333"/>
+            <a:off x="10300855" y="0"/>
+            <a:ext cx="1891145" cy="5600700"/>
+            <a:chOff x="10300855" y="0"/>
+            <a:chExt cx="1891145" cy="5600700"/>
           </a:xfrm>
-          <a:prstGeom prst="rect">
-            <a:avLst/>
-          </a:prstGeom>
-        </p:spPr>
-      </p:pic>
+        </p:grpSpPr>
+        <p:sp>
+          <p:nvSpPr>
+            <p:cNvPr id="32" name="Oval 31">
+              <a:extLst>
+                <a:ext uri="{FF2B5EF4-FFF2-40B4-BE49-F238E27FC236}">
+                  <a16:creationId xmlns:a16="http://schemas.microsoft.com/office/drawing/2014/main" id="{A769C0F1-62DE-46AE-9526-CBD795D169DF}"/>
+                </a:ext>
+                <a:ext uri="{C183D7F6-B498-43B3-948B-1728B52AA6E4}">
+                  <adec:decorative xmlns:adec="http://schemas.microsoft.com/office/drawing/2017/decorative" val="1"/>
+                </a:ext>
+              </a:extLst>
+            </p:cNvPr>
+            <p:cNvSpPr/>
+            <p:nvPr>
+              <p:extLst>
+                <p:ext uri="{386F3935-93C4-4BCD-93E2-E3B085C9AB24}">
+                  <p16:designElem xmlns:p16="http://schemas.microsoft.com/office/powerpoint/2015/main" val="1"/>
+                </p:ext>
+              </p:extLst>
+            </p:nvPr>
+          </p:nvSpPr>
+          <p:spPr>
+            <a:xfrm>
+              <a:off x="11783194" y="2943021"/>
+              <a:ext cx="246527" cy="246527"/>
+            </a:xfrm>
+            <a:prstGeom prst="ellipse">
+              <a:avLst/>
+            </a:prstGeom>
+            <a:solidFill>
+              <a:schemeClr val="accent2"/>
+            </a:solidFill>
+            <a:ln>
+              <a:noFill/>
+            </a:ln>
+          </p:spPr>
+          <p:style>
+            <a:lnRef idx="2">
+              <a:schemeClr val="accent1">
+                <a:shade val="50000"/>
+              </a:schemeClr>
+            </a:lnRef>
+            <a:fillRef idx="1">
+              <a:schemeClr val="accent1"/>
+            </a:fillRef>
+            <a:effectRef idx="0">
+              <a:schemeClr val="accent1"/>
+            </a:effectRef>
+            <a:fontRef idx="minor">
+              <a:schemeClr val="lt1"/>
+            </a:fontRef>
+          </p:style>
+          <p:txBody>
+            <a:bodyPr rtlCol="0" anchor="ctr"/>
+            <a:lstStyle>
+              <a:defPPr>
+                <a:defRPr lang="en-US"/>
+              </a:defPPr>
+              <a:lvl1pPr marL="0" algn="l" defTabSz="914400" rtl="0" eaLnBrk="1" latinLnBrk="0" hangingPunct="1">
+                <a:defRPr sz="1800" kern="1200">
+                  <a:solidFill>
+                    <a:schemeClr val="lt1"/>
+                  </a:solidFill>
+                  <a:latin typeface="+mn-lt"/>
+                  <a:ea typeface="+mn-ea"/>
+                  <a:cs typeface="+mn-cs"/>
+                </a:defRPr>
+              </a:lvl1pPr>
+              <a:lvl2pPr marL="457200" algn="l" defTabSz="914400" rtl="0" eaLnBrk="1" latinLnBrk="0" hangingPunct="1">
+                <a:defRPr sz="1800" kern="1200">
+                  <a:solidFill>
+                    <a:schemeClr val="lt1"/>
+                  </a:solidFill>
+                  <a:latin typeface="+mn-lt"/>
+                  <a:ea typeface="+mn-ea"/>
+                  <a:cs typeface="+mn-cs"/>
+                </a:defRPr>
+              </a:lvl2pPr>
+              <a:lvl3pPr marL="914400" algn="l" defTabSz="914400" rtl="0" eaLnBrk="1" latinLnBrk="0" hangingPunct="1">
+                <a:defRPr sz="1800" kern="1200">
+                  <a:solidFill>
+                    <a:schemeClr val="lt1"/>
+                  </a:solidFill>
+                  <a:latin typeface="+mn-lt"/>
+                  <a:ea typeface="+mn-ea"/>
+                  <a:cs typeface="+mn-cs"/>
+                </a:defRPr>
+              </a:lvl3pPr>
+              <a:lvl4pPr marL="1371600" algn="l" defTabSz="914400" rtl="0" eaLnBrk="1" latinLnBrk="0" hangingPunct="1">
+                <a:defRPr sz="1800" kern="1200">
+                  <a:solidFill>
+                    <a:schemeClr val="lt1"/>
+                  </a:solidFill>
+                  <a:latin typeface="+mn-lt"/>
+                  <a:ea typeface="+mn-ea"/>
+                  <a:cs typeface="+mn-cs"/>
+                </a:defRPr>
+              </a:lvl4pPr>
+              <a:lvl5pPr marL="1828800" algn="l" defTabSz="914400" rtl="0" eaLnBrk="1" latinLnBrk="0" hangingPunct="1">
+                <a:defRPr sz="1800" kern="1200">
+                  <a:solidFill>
+                    <a:schemeClr val="lt1"/>
+                  </a:solidFill>
+                  <a:latin typeface="+mn-lt"/>
+                  <a:ea typeface="+mn-ea"/>
+                  <a:cs typeface="+mn-cs"/>
+                </a:defRPr>
+              </a:lvl5pPr>
+              <a:lvl6pPr marL="2286000" algn="l" defTabSz="914400" rtl="0" eaLnBrk="1" latinLnBrk="0" hangingPunct="1">
+                <a:defRPr sz="1800" kern="1200">
+                  <a:solidFill>
+                    <a:schemeClr val="lt1"/>
+                  </a:solidFill>
+                  <a:latin typeface="+mn-lt"/>
+                  <a:ea typeface="+mn-ea"/>
+                  <a:cs typeface="+mn-cs"/>
+                </a:defRPr>
+              </a:lvl6pPr>
+              <a:lvl7pPr marL="2743200" algn="l" defTabSz="914400" rtl="0" eaLnBrk="1" latinLnBrk="0" hangingPunct="1">
+                <a:defRPr sz="1800" kern="1200">
+                  <a:solidFill>
+                    <a:schemeClr val="lt1"/>
+                  </a:solidFill>
+                  <a:latin typeface="+mn-lt"/>
+                  <a:ea typeface="+mn-ea"/>
+                  <a:cs typeface="+mn-cs"/>
+                </a:defRPr>
+              </a:lvl7pPr>
+              <a:lvl8pPr marL="3200400" algn="l" defTabSz="914400" rtl="0" eaLnBrk="1" latinLnBrk="0" hangingPunct="1">
+                <a:defRPr sz="1800" kern="1200">
+                  <a:solidFill>
+                    <a:schemeClr val="lt1"/>
+                  </a:solidFill>
+                  <a:latin typeface="+mn-lt"/>
+                  <a:ea typeface="+mn-ea"/>
+                  <a:cs typeface="+mn-cs"/>
+                </a:defRPr>
+              </a:lvl8pPr>
+              <a:lvl9pPr marL="3657600" algn="l" defTabSz="914400" rtl="0" eaLnBrk="1" latinLnBrk="0" hangingPunct="1">
+                <a:defRPr sz="1800" kern="1200">
+                  <a:solidFill>
+                    <a:schemeClr val="lt1"/>
+                  </a:solidFill>
+                  <a:latin typeface="+mn-lt"/>
+                  <a:ea typeface="+mn-ea"/>
+                  <a:cs typeface="+mn-cs"/>
+                </a:defRPr>
+              </a:lvl9pPr>
+            </a:lstStyle>
+            <a:p>
+              <a:pPr algn="ctr"/>
+              <a:endParaRPr lang="en-US"/>
+            </a:p>
+          </p:txBody>
+        </p:sp>
+        <p:sp>
+          <p:nvSpPr>
+            <p:cNvPr id="33" name="Graphic 9">
+              <a:extLst>
+                <a:ext uri="{FF2B5EF4-FFF2-40B4-BE49-F238E27FC236}">
+                  <a16:creationId xmlns:a16="http://schemas.microsoft.com/office/drawing/2014/main" id="{340BA6BB-87A1-4F4A-8B9B-D7B83FE582F4}"/>
+                </a:ext>
+                <a:ext uri="{C183D7F6-B498-43B3-948B-1728B52AA6E4}">
+                  <adec:decorative xmlns:adec="http://schemas.microsoft.com/office/drawing/2017/decorative" val="1"/>
+                </a:ext>
+              </a:extLst>
+            </p:cNvPr>
+            <p:cNvSpPr/>
+            <p:nvPr>
+              <p:extLst>
+                <p:ext uri="{386F3935-93C4-4BCD-93E2-E3B085C9AB24}">
+                  <p16:designElem xmlns:p16="http://schemas.microsoft.com/office/powerpoint/2015/main" val="1"/>
+                </p:ext>
+              </p:extLst>
+            </p:nvPr>
+          </p:nvSpPr>
+          <p:spPr>
+            <a:xfrm>
+              <a:off x="10330568" y="2199078"/>
+              <a:ext cx="1195288" cy="1195289"/>
+            </a:xfrm>
+            <a:custGeom>
+              <a:avLst/>
+              <a:gdLst>
+                <a:gd name="connsiteX0" fmla="*/ 6861546 w 6861545"/>
+                <a:gd name="connsiteY0" fmla="*/ 6861546 h 6861545"/>
+                <a:gd name="connsiteX1" fmla="*/ 3435812 w 6861545"/>
+                <a:gd name="connsiteY1" fmla="*/ 6861546 h 6861545"/>
+                <a:gd name="connsiteX2" fmla="*/ 0 w 6861545"/>
+                <a:gd name="connsiteY2" fmla="*/ 3425734 h 6861545"/>
+                <a:gd name="connsiteX3" fmla="*/ 0 w 6861545"/>
+                <a:gd name="connsiteY3" fmla="*/ 0 h 6861545"/>
+                <a:gd name="connsiteX4" fmla="*/ 3425734 w 6861545"/>
+                <a:gd name="connsiteY4" fmla="*/ 0 h 6861545"/>
+                <a:gd name="connsiteX5" fmla="*/ 6861546 w 6861545"/>
+                <a:gd name="connsiteY5" fmla="*/ 3435812 h 6861545"/>
+                <a:gd name="connsiteX6" fmla="*/ 6861546 w 6861545"/>
+                <a:gd name="connsiteY6" fmla="*/ 6861546 h 6861545"/>
+              </a:gdLst>
+              <a:ahLst/>
+              <a:cxnLst>
+                <a:cxn ang="0">
+                  <a:pos x="connsiteX0" y="connsiteY0"/>
+                </a:cxn>
+                <a:cxn ang="0">
+                  <a:pos x="connsiteX1" y="connsiteY1"/>
+                </a:cxn>
+                <a:cxn ang="0">
+                  <a:pos x="connsiteX2" y="connsiteY2"/>
+                </a:cxn>
+                <a:cxn ang="0">
+                  <a:pos x="connsiteX3" y="connsiteY3"/>
+                </a:cxn>
+                <a:cxn ang="0">
+                  <a:pos x="connsiteX4" y="connsiteY4"/>
+                </a:cxn>
+                <a:cxn ang="0">
+                  <a:pos x="connsiteX5" y="connsiteY5"/>
+                </a:cxn>
+                <a:cxn ang="0">
+                  <a:pos x="connsiteX6" y="connsiteY6"/>
+                </a:cxn>
+              </a:cxnLst>
+              <a:rect l="l" t="t" r="r" b="b"/>
+              <a:pathLst>
+                <a:path w="6861545" h="6861545">
+                  <a:moveTo>
+                    <a:pt x="6861546" y="6861546"/>
+                  </a:moveTo>
+                  <a:lnTo>
+                    <a:pt x="3435812" y="6861546"/>
+                  </a:lnTo>
+                  <a:cubicBezTo>
+                    <a:pt x="1538245" y="6861546"/>
+                    <a:pt x="0" y="5323301"/>
+                    <a:pt x="0" y="3425734"/>
+                  </a:cubicBezTo>
+                  <a:lnTo>
+                    <a:pt x="0" y="0"/>
+                  </a:lnTo>
+                  <a:lnTo>
+                    <a:pt x="3425734" y="0"/>
+                  </a:lnTo>
+                  <a:cubicBezTo>
+                    <a:pt x="5323301" y="0"/>
+                    <a:pt x="6861546" y="1538245"/>
+                    <a:pt x="6861546" y="3435812"/>
+                  </a:cubicBezTo>
+                  <a:lnTo>
+                    <a:pt x="6861546" y="6861546"/>
+                  </a:lnTo>
+                  <a:close/>
+                </a:path>
+              </a:pathLst>
+            </a:custGeom>
+            <a:solidFill>
+              <a:schemeClr val="accent1">
+                <a:lumMod val="75000"/>
+                <a:alpha val="65000"/>
+              </a:schemeClr>
+            </a:solidFill>
+            <a:ln w="9331" cap="flat">
+              <a:noFill/>
+              <a:prstDash val="solid"/>
+              <a:miter/>
+            </a:ln>
+          </p:spPr>
+          <p:txBody>
+            <a:bodyPr rtlCol="0" anchor="ctr"/>
+            <a:lstStyle>
+              <a:defPPr>
+                <a:defRPr lang="en-US"/>
+              </a:defPPr>
+              <a:lvl1pPr marL="0" algn="l" defTabSz="914400" rtl="0" eaLnBrk="1" latinLnBrk="0" hangingPunct="1">
+                <a:defRPr sz="1800" kern="1200">
+                  <a:solidFill>
+                    <a:schemeClr val="tx1"/>
+                  </a:solidFill>
+                  <a:latin typeface="+mn-lt"/>
+                  <a:ea typeface="+mn-ea"/>
+                  <a:cs typeface="+mn-cs"/>
+                </a:defRPr>
+              </a:lvl1pPr>
+              <a:lvl2pPr marL="457200" algn="l" defTabSz="914400" rtl="0" eaLnBrk="1" latinLnBrk="0" hangingPunct="1">
+                <a:defRPr sz="1800" kern="1200">
+                  <a:solidFill>
+                    <a:schemeClr val="tx1"/>
+                  </a:solidFill>
+                  <a:latin typeface="+mn-lt"/>
+                  <a:ea typeface="+mn-ea"/>
+                  <a:cs typeface="+mn-cs"/>
+                </a:defRPr>
+              </a:lvl2pPr>
+              <a:lvl3pPr marL="914400" algn="l" defTabSz="914400" rtl="0" eaLnBrk="1" latinLnBrk="0" hangingPunct="1">
+                <a:defRPr sz="1800" kern="1200">
+                  <a:solidFill>
+                    <a:schemeClr val="tx1"/>
+                  </a:solidFill>
+                  <a:latin typeface="+mn-lt"/>
+                  <a:ea typeface="+mn-ea"/>
+                  <a:cs typeface="+mn-cs"/>
+                </a:defRPr>
+              </a:lvl3pPr>
+              <a:lvl4pPr marL="1371600" algn="l" defTabSz="914400" rtl="0" eaLnBrk="1" latinLnBrk="0" hangingPunct="1">
+                <a:defRPr sz="1800" kern="1200">
+                  <a:solidFill>
+                    <a:schemeClr val="tx1"/>
+                  </a:solidFill>
+                  <a:latin typeface="+mn-lt"/>
+                  <a:ea typeface="+mn-ea"/>
+                  <a:cs typeface="+mn-cs"/>
+                </a:defRPr>
+              </a:lvl4pPr>
+              <a:lvl5pPr marL="1828800" algn="l" defTabSz="914400" rtl="0" eaLnBrk="1" latinLnBrk="0" hangingPunct="1">
+                <a:defRPr sz="1800" kern="1200">
+                  <a:solidFill>
+                    <a:schemeClr val="tx1"/>
+                  </a:solidFill>
+                  <a:latin typeface="+mn-lt"/>
+                  <a:ea typeface="+mn-ea"/>
+                  <a:cs typeface="+mn-cs"/>
+                </a:defRPr>
+              </a:lvl5pPr>
+              <a:lvl6pPr marL="2286000" algn="l" defTabSz="914400" rtl="0" eaLnBrk="1" latinLnBrk="0" hangingPunct="1">
+                <a:defRPr sz="1800" kern="1200">
+                  <a:solidFill>
+                    <a:schemeClr val="tx1"/>
+                  </a:solidFill>
+                  <a:latin typeface="+mn-lt"/>
+                  <a:ea typeface="+mn-ea"/>
+                  <a:cs typeface="+mn-cs"/>
+                </a:defRPr>
+              </a:lvl6pPr>
+              <a:lvl7pPr marL="2743200" algn="l" defTabSz="914400" rtl="0" eaLnBrk="1" latinLnBrk="0" hangingPunct="1">
+                <a:defRPr sz="1800" kern="1200">
+                  <a:solidFill>
+                    <a:schemeClr val="tx1"/>
+                  </a:solidFill>
+                  <a:latin typeface="+mn-lt"/>
+                  <a:ea typeface="+mn-ea"/>
+                  <a:cs typeface="+mn-cs"/>
+                </a:defRPr>
+              </a:lvl7pPr>
+              <a:lvl8pPr marL="3200400" algn="l" defTabSz="914400" rtl="0" eaLnBrk="1" latinLnBrk="0" hangingPunct="1">
+                <a:defRPr sz="1800" kern="1200">
+                  <a:solidFill>
+                    <a:schemeClr val="tx1"/>
+                  </a:solidFill>
+                  <a:latin typeface="+mn-lt"/>
+                  <a:ea typeface="+mn-ea"/>
+                  <a:cs typeface="+mn-cs"/>
+                </a:defRPr>
+              </a:lvl8pPr>
+              <a:lvl9pPr marL="3657600" algn="l" defTabSz="914400" rtl="0" eaLnBrk="1" latinLnBrk="0" hangingPunct="1">
+                <a:defRPr sz="1800" kern="1200">
+                  <a:solidFill>
+                    <a:schemeClr val="tx1"/>
+                  </a:solidFill>
+                  <a:latin typeface="+mn-lt"/>
+                  <a:ea typeface="+mn-ea"/>
+                  <a:cs typeface="+mn-cs"/>
+                </a:defRPr>
+              </a:lvl9pPr>
+            </a:lstStyle>
+            <a:p>
+              <a:pPr lvl="0"/>
+              <a:endParaRPr lang="en-US" dirty="0"/>
+            </a:p>
+          </p:txBody>
+        </p:sp>
+        <p:sp>
+          <p:nvSpPr>
+            <p:cNvPr id="34" name="Freeform: Shape 33">
+              <a:extLst>
+                <a:ext uri="{FF2B5EF4-FFF2-40B4-BE49-F238E27FC236}">
+                  <a16:creationId xmlns:a16="http://schemas.microsoft.com/office/drawing/2014/main" id="{ECC2ADB9-B92C-4252-B47E-B41B61AFF4AB}"/>
+                </a:ext>
+                <a:ext uri="{C183D7F6-B498-43B3-948B-1728B52AA6E4}">
+                  <adec:decorative xmlns:adec="http://schemas.microsoft.com/office/drawing/2017/decorative" val="1"/>
+                </a:ext>
+              </a:extLst>
+            </p:cNvPr>
+            <p:cNvSpPr/>
+            <p:nvPr>
+              <p:extLst>
+                <p:ext uri="{386F3935-93C4-4BCD-93E2-E3B085C9AB24}">
+                  <p16:designElem xmlns:p16="http://schemas.microsoft.com/office/powerpoint/2015/main" val="1"/>
+                </p:ext>
+              </p:extLst>
+            </p:nvPr>
+          </p:nvSpPr>
+          <p:spPr>
+            <a:xfrm flipV="1">
+              <a:off x="11151383" y="4336822"/>
+              <a:ext cx="1040617" cy="1263878"/>
+            </a:xfrm>
+            <a:custGeom>
+              <a:avLst/>
+              <a:gdLst>
+                <a:gd name="connsiteX0" fmla="*/ 1087069 w 1119832"/>
+                <a:gd name="connsiteY0" fmla="*/ 1138 h 1360088"/>
+                <a:gd name="connsiteX1" fmla="*/ 1119832 w 1119832"/>
+                <a:gd name="connsiteY1" fmla="*/ 3278 h 1360088"/>
+                <a:gd name="connsiteX2" fmla="*/ 1119832 w 1119832"/>
+                <a:gd name="connsiteY2" fmla="*/ 1097964 h 1360088"/>
+                <a:gd name="connsiteX3" fmla="*/ 1109686 w 1119832"/>
+                <a:gd name="connsiteY3" fmla="*/ 1109686 h 1360088"/>
+                <a:gd name="connsiteX4" fmla="*/ 25249 w 1119832"/>
+                <a:gd name="connsiteY4" fmla="*/ 1334840 h 1360088"/>
+                <a:gd name="connsiteX5" fmla="*/ 250404 w 1119832"/>
+                <a:gd name="connsiteY5" fmla="*/ 250404 h 1360088"/>
+                <a:gd name="connsiteX6" fmla="*/ 1087069 w 1119832"/>
+                <a:gd name="connsiteY6" fmla="*/ 1138 h 1360088"/>
+              </a:gdLst>
+              <a:ahLst/>
+              <a:cxnLst>
+                <a:cxn ang="0">
+                  <a:pos x="connsiteX0" y="connsiteY0"/>
+                </a:cxn>
+                <a:cxn ang="0">
+                  <a:pos x="connsiteX1" y="connsiteY1"/>
+                </a:cxn>
+                <a:cxn ang="0">
+                  <a:pos x="connsiteX2" y="connsiteY2"/>
+                </a:cxn>
+                <a:cxn ang="0">
+                  <a:pos x="connsiteX3" y="connsiteY3"/>
+                </a:cxn>
+                <a:cxn ang="0">
+                  <a:pos x="connsiteX4" y="connsiteY4"/>
+                </a:cxn>
+                <a:cxn ang="0">
+                  <a:pos x="connsiteX5" y="connsiteY5"/>
+                </a:cxn>
+                <a:cxn ang="0">
+                  <a:pos x="connsiteX6" y="connsiteY6"/>
+                </a:cxn>
+              </a:cxnLst>
+              <a:rect l="l" t="t" r="r" b="b"/>
+              <a:pathLst>
+                <a:path w="1119832" h="1360088">
+                  <a:moveTo>
+                    <a:pt x="1087069" y="1138"/>
+                  </a:moveTo>
+                  <a:lnTo>
+                    <a:pt x="1119832" y="3278"/>
+                  </a:lnTo>
+                  <a:lnTo>
+                    <a:pt x="1119832" y="1097964"/>
+                  </a:lnTo>
+                  <a:lnTo>
+                    <a:pt x="1109686" y="1109686"/>
+                  </a:lnTo>
+                  <a:cubicBezTo>
+                    <a:pt x="748058" y="1471314"/>
+                    <a:pt x="25249" y="1334840"/>
+                    <a:pt x="25249" y="1334840"/>
+                  </a:cubicBezTo>
+                  <a:cubicBezTo>
+                    <a:pt x="25249" y="1334840"/>
+                    <a:pt x="-111224" y="612032"/>
+                    <a:pt x="250404" y="250404"/>
+                  </a:cubicBezTo>
+                  <a:cubicBezTo>
+                    <a:pt x="476422" y="24386"/>
+                    <a:pt x="843525" y="-7060"/>
+                    <a:pt x="1087069" y="1138"/>
+                  </a:cubicBezTo>
+                  <a:close/>
+                </a:path>
+              </a:pathLst>
+            </a:custGeom>
+            <a:pattFill prst="pct5">
+              <a:fgClr>
+                <a:schemeClr val="accent4">
+                  <a:lumMod val="60000"/>
+                  <a:lumOff val="40000"/>
+                </a:schemeClr>
+              </a:fgClr>
+              <a:bgClr>
+                <a:schemeClr val="accent1">
+                  <a:lumMod val="75000"/>
+                </a:schemeClr>
+              </a:bgClr>
+            </a:pattFill>
+            <a:ln w="9525" cap="flat">
+              <a:noFill/>
+              <a:prstDash val="solid"/>
+              <a:miter/>
+            </a:ln>
+          </p:spPr>
+          <p:txBody>
+            <a:bodyPr rtlCol="0" anchor="ctr"/>
+            <a:lstStyle>
+              <a:defPPr>
+                <a:defRPr lang="en-US"/>
+              </a:defPPr>
+              <a:lvl1pPr marL="0" algn="l" defTabSz="914400" rtl="0" eaLnBrk="1" latinLnBrk="0" hangingPunct="1">
+                <a:defRPr sz="1800" kern="1200">
+                  <a:solidFill>
+                    <a:schemeClr val="tx1"/>
+                  </a:solidFill>
+                  <a:latin typeface="+mn-lt"/>
+                  <a:ea typeface="+mn-ea"/>
+                  <a:cs typeface="+mn-cs"/>
+                </a:defRPr>
+              </a:lvl1pPr>
+              <a:lvl2pPr marL="457200" algn="l" defTabSz="914400" rtl="0" eaLnBrk="1" latinLnBrk="0" hangingPunct="1">
+                <a:defRPr sz="1800" kern="1200">
+                  <a:solidFill>
+                    <a:schemeClr val="tx1"/>
+                  </a:solidFill>
+                  <a:latin typeface="+mn-lt"/>
+                  <a:ea typeface="+mn-ea"/>
+                  <a:cs typeface="+mn-cs"/>
+                </a:defRPr>
+              </a:lvl2pPr>
+              <a:lvl3pPr marL="914400" algn="l" defTabSz="914400" rtl="0" eaLnBrk="1" latinLnBrk="0" hangingPunct="1">
+                <a:defRPr sz="1800" kern="1200">
+                  <a:solidFill>
+                    <a:schemeClr val="tx1"/>
+                  </a:solidFill>
+                  <a:latin typeface="+mn-lt"/>
+                  <a:ea typeface="+mn-ea"/>
+                  <a:cs typeface="+mn-cs"/>
+                </a:defRPr>
+              </a:lvl3pPr>
+              <a:lvl4pPr marL="1371600" algn="l" defTabSz="914400" rtl="0" eaLnBrk="1" latinLnBrk="0" hangingPunct="1">
+                <a:defRPr sz="1800" kern="1200">
+                  <a:solidFill>
+                    <a:schemeClr val="tx1"/>
+                  </a:solidFill>
+                  <a:latin typeface="+mn-lt"/>
+                  <a:ea typeface="+mn-ea"/>
+                  <a:cs typeface="+mn-cs"/>
+                </a:defRPr>
+              </a:lvl4pPr>
+              <a:lvl5pPr marL="1828800" algn="l" defTabSz="914400" rtl="0" eaLnBrk="1" latinLnBrk="0" hangingPunct="1">
+                <a:defRPr sz="1800" kern="1200">
+                  <a:solidFill>
+                    <a:schemeClr val="tx1"/>
+                  </a:solidFill>
+                  <a:latin typeface="+mn-lt"/>
+                  <a:ea typeface="+mn-ea"/>
+                  <a:cs typeface="+mn-cs"/>
+                </a:defRPr>
+              </a:lvl5pPr>
+              <a:lvl6pPr marL="2286000" algn="l" defTabSz="914400" rtl="0" eaLnBrk="1" latinLnBrk="0" hangingPunct="1">
+                <a:defRPr sz="1800" kern="1200">
+                  <a:solidFill>
+                    <a:schemeClr val="tx1"/>
+                  </a:solidFill>
+                  <a:latin typeface="+mn-lt"/>
+                  <a:ea typeface="+mn-ea"/>
+                  <a:cs typeface="+mn-cs"/>
+                </a:defRPr>
+              </a:lvl6pPr>
+              <a:lvl7pPr marL="2743200" algn="l" defTabSz="914400" rtl="0" eaLnBrk="1" latinLnBrk="0" hangingPunct="1">
+                <a:defRPr sz="1800" kern="1200">
+                  <a:solidFill>
+                    <a:schemeClr val="tx1"/>
+                  </a:solidFill>
+                  <a:latin typeface="+mn-lt"/>
+                  <a:ea typeface="+mn-ea"/>
+                  <a:cs typeface="+mn-cs"/>
+                </a:defRPr>
+              </a:lvl7pPr>
+              <a:lvl8pPr marL="3200400" algn="l" defTabSz="914400" rtl="0" eaLnBrk="1" latinLnBrk="0" hangingPunct="1">
+                <a:defRPr sz="1800" kern="1200">
+                  <a:solidFill>
+                    <a:schemeClr val="tx1"/>
+                  </a:solidFill>
+                  <a:latin typeface="+mn-lt"/>
+                  <a:ea typeface="+mn-ea"/>
+                  <a:cs typeface="+mn-cs"/>
+                </a:defRPr>
+              </a:lvl8pPr>
+              <a:lvl9pPr marL="3657600" algn="l" defTabSz="914400" rtl="0" eaLnBrk="1" latinLnBrk="0" hangingPunct="1">
+                <a:defRPr sz="1800" kern="1200">
+                  <a:solidFill>
+                    <a:schemeClr val="tx1"/>
+                  </a:solidFill>
+                  <a:latin typeface="+mn-lt"/>
+                  <a:ea typeface="+mn-ea"/>
+                  <a:cs typeface="+mn-cs"/>
+                </a:defRPr>
+              </a:lvl9pPr>
+            </a:lstStyle>
+            <a:p>
+              <a:pPr lvl="0"/>
+              <a:endParaRPr lang="en-US" dirty="0"/>
+            </a:p>
+          </p:txBody>
+        </p:sp>
+        <p:sp>
+          <p:nvSpPr>
+            <p:cNvPr id="35" name="Freeform: Shape 34">
+              <a:extLst>
+                <a:ext uri="{FF2B5EF4-FFF2-40B4-BE49-F238E27FC236}">
+                  <a16:creationId xmlns:a16="http://schemas.microsoft.com/office/drawing/2014/main" id="{CC02BB26-7CE5-4FAE-A255-5DEF1B3F366C}"/>
+                </a:ext>
+                <a:ext uri="{C183D7F6-B498-43B3-948B-1728B52AA6E4}">
+                  <adec:decorative xmlns:adec="http://schemas.microsoft.com/office/drawing/2017/decorative" val="1"/>
+                </a:ext>
+              </a:extLst>
+            </p:cNvPr>
+            <p:cNvSpPr/>
+            <p:nvPr>
+              <p:extLst>
+                <p:ext uri="{386F3935-93C4-4BCD-93E2-E3B085C9AB24}">
+                  <p16:designElem xmlns:p16="http://schemas.microsoft.com/office/powerpoint/2015/main" val="1"/>
+                </p:ext>
+              </p:extLst>
+            </p:nvPr>
+          </p:nvSpPr>
+          <p:spPr>
+            <a:xfrm>
+              <a:off x="11638492" y="2767655"/>
+              <a:ext cx="553508" cy="1567713"/>
+            </a:xfrm>
+            <a:custGeom>
+              <a:avLst/>
+              <a:gdLst>
+                <a:gd name="connsiteX0" fmla="*/ 612019 w 612019"/>
+                <a:gd name="connsiteY0" fmla="*/ 0 h 1733435"/>
+                <a:gd name="connsiteX1" fmla="*/ 612019 w 612019"/>
+                <a:gd name="connsiteY1" fmla="*/ 1733435 h 1733435"/>
+                <a:gd name="connsiteX2" fmla="*/ 180103 w 612019"/>
+                <a:gd name="connsiteY2" fmla="*/ 1301519 h 1733435"/>
+                <a:gd name="connsiteX3" fmla="*/ 180103 w 612019"/>
+                <a:gd name="connsiteY3" fmla="*/ 431916 h 1733435"/>
+              </a:gdLst>
+              <a:ahLst/>
+              <a:cxnLst>
+                <a:cxn ang="0">
+                  <a:pos x="connsiteX0" y="connsiteY0"/>
+                </a:cxn>
+                <a:cxn ang="0">
+                  <a:pos x="connsiteX1" y="connsiteY1"/>
+                </a:cxn>
+                <a:cxn ang="0">
+                  <a:pos x="connsiteX2" y="connsiteY2"/>
+                </a:cxn>
+                <a:cxn ang="0">
+                  <a:pos x="connsiteX3" y="connsiteY3"/>
+                </a:cxn>
+              </a:cxnLst>
+              <a:rect l="l" t="t" r="r" b="b"/>
+              <a:pathLst>
+                <a:path w="612019" h="1733435">
+                  <a:moveTo>
+                    <a:pt x="612019" y="0"/>
+                  </a:moveTo>
+                  <a:lnTo>
+                    <a:pt x="612019" y="1733435"/>
+                  </a:lnTo>
+                  <a:lnTo>
+                    <a:pt x="180103" y="1301519"/>
+                  </a:lnTo>
+                  <a:cubicBezTo>
+                    <a:pt x="-60034" y="1061382"/>
+                    <a:pt x="-60034" y="672053"/>
+                    <a:pt x="180103" y="431916"/>
+                  </a:cubicBezTo>
+                  <a:close/>
+                </a:path>
+              </a:pathLst>
+            </a:custGeom>
+            <a:solidFill>
+              <a:schemeClr val="accent1">
+                <a:lumMod val="60000"/>
+                <a:lumOff val="40000"/>
+                <a:alpha val="60000"/>
+              </a:schemeClr>
+            </a:solidFill>
+            <a:ln w="9331" cap="flat">
+              <a:noFill/>
+              <a:prstDash val="solid"/>
+              <a:miter/>
+            </a:ln>
+          </p:spPr>
+          <p:txBody>
+            <a:bodyPr rtlCol="0" anchor="ctr"/>
+            <a:lstStyle>
+              <a:defPPr>
+                <a:defRPr lang="en-US"/>
+              </a:defPPr>
+              <a:lvl1pPr marL="0" algn="l" defTabSz="914400" rtl="0" eaLnBrk="1" latinLnBrk="0" hangingPunct="1">
+                <a:defRPr sz="1800" kern="1200">
+                  <a:solidFill>
+                    <a:schemeClr val="tx1"/>
+                  </a:solidFill>
+                  <a:latin typeface="+mn-lt"/>
+                  <a:ea typeface="+mn-ea"/>
+                  <a:cs typeface="+mn-cs"/>
+                </a:defRPr>
+              </a:lvl1pPr>
+              <a:lvl2pPr marL="457200" algn="l" defTabSz="914400" rtl="0" eaLnBrk="1" latinLnBrk="0" hangingPunct="1">
+                <a:defRPr sz="1800" kern="1200">
+                  <a:solidFill>
+                    <a:schemeClr val="tx1"/>
+                  </a:solidFill>
+                  <a:latin typeface="+mn-lt"/>
+                  <a:ea typeface="+mn-ea"/>
+                  <a:cs typeface="+mn-cs"/>
+                </a:defRPr>
+              </a:lvl2pPr>
+              <a:lvl3pPr marL="914400" algn="l" defTabSz="914400" rtl="0" eaLnBrk="1" latinLnBrk="0" hangingPunct="1">
+                <a:defRPr sz="1800" kern="1200">
+                  <a:solidFill>
+                    <a:schemeClr val="tx1"/>
+                  </a:solidFill>
+                  <a:latin typeface="+mn-lt"/>
+                  <a:ea typeface="+mn-ea"/>
+                  <a:cs typeface="+mn-cs"/>
+                </a:defRPr>
+              </a:lvl3pPr>
+              <a:lvl4pPr marL="1371600" algn="l" defTabSz="914400" rtl="0" eaLnBrk="1" latinLnBrk="0" hangingPunct="1">
+                <a:defRPr sz="1800" kern="1200">
+                  <a:solidFill>
+                    <a:schemeClr val="tx1"/>
+                  </a:solidFill>
+                  <a:latin typeface="+mn-lt"/>
+                  <a:ea typeface="+mn-ea"/>
+                  <a:cs typeface="+mn-cs"/>
+                </a:defRPr>
+              </a:lvl4pPr>
+              <a:lvl5pPr marL="1828800" algn="l" defTabSz="914400" rtl="0" eaLnBrk="1" latinLnBrk="0" hangingPunct="1">
+                <a:defRPr sz="1800" kern="1200">
+                  <a:solidFill>
+                    <a:schemeClr val="tx1"/>
+                  </a:solidFill>
+                  <a:latin typeface="+mn-lt"/>
+                  <a:ea typeface="+mn-ea"/>
+                  <a:cs typeface="+mn-cs"/>
+                </a:defRPr>
+              </a:lvl5pPr>
+              <a:lvl6pPr marL="2286000" algn="l" defTabSz="914400" rtl="0" eaLnBrk="1" latinLnBrk="0" hangingPunct="1">
+                <a:defRPr sz="1800" kern="1200">
+                  <a:solidFill>
+                    <a:schemeClr val="tx1"/>
+                  </a:solidFill>
+                  <a:latin typeface="+mn-lt"/>
+                  <a:ea typeface="+mn-ea"/>
+                  <a:cs typeface="+mn-cs"/>
+                </a:defRPr>
+              </a:lvl6pPr>
+              <a:lvl7pPr marL="2743200" algn="l" defTabSz="914400" rtl="0" eaLnBrk="1" latinLnBrk="0" hangingPunct="1">
+                <a:defRPr sz="1800" kern="1200">
+                  <a:solidFill>
+                    <a:schemeClr val="tx1"/>
+                  </a:solidFill>
+                  <a:latin typeface="+mn-lt"/>
+                  <a:ea typeface="+mn-ea"/>
+                  <a:cs typeface="+mn-cs"/>
+                </a:defRPr>
+              </a:lvl7pPr>
+              <a:lvl8pPr marL="3200400" algn="l" defTabSz="914400" rtl="0" eaLnBrk="1" latinLnBrk="0" hangingPunct="1">
+                <a:defRPr sz="1800" kern="1200">
+                  <a:solidFill>
+                    <a:schemeClr val="tx1"/>
+                  </a:solidFill>
+                  <a:latin typeface="+mn-lt"/>
+                  <a:ea typeface="+mn-ea"/>
+                  <a:cs typeface="+mn-cs"/>
+                </a:defRPr>
+              </a:lvl8pPr>
+              <a:lvl9pPr marL="3657600" algn="l" defTabSz="914400" rtl="0" eaLnBrk="1" latinLnBrk="0" hangingPunct="1">
+                <a:defRPr sz="1800" kern="1200">
+                  <a:solidFill>
+                    <a:schemeClr val="tx1"/>
+                  </a:solidFill>
+                  <a:latin typeface="+mn-lt"/>
+                  <a:ea typeface="+mn-ea"/>
+                  <a:cs typeface="+mn-cs"/>
+                </a:defRPr>
+              </a:lvl9pPr>
+            </a:lstStyle>
+            <a:p>
+              <a:pPr lvl="0"/>
+              <a:endParaRPr lang="en-US" dirty="0"/>
+            </a:p>
+          </p:txBody>
+        </p:sp>
+        <p:sp>
+          <p:nvSpPr>
+            <p:cNvPr id="36" name="Graphic 9">
+              <a:extLst>
+                <a:ext uri="{FF2B5EF4-FFF2-40B4-BE49-F238E27FC236}">
+                  <a16:creationId xmlns:a16="http://schemas.microsoft.com/office/drawing/2014/main" id="{B65C1BB9-F5F2-4728-B47D-3B2F995E9A66}"/>
+                </a:ext>
+                <a:ext uri="{C183D7F6-B498-43B3-948B-1728B52AA6E4}">
+                  <adec:decorative xmlns:adec="http://schemas.microsoft.com/office/drawing/2017/decorative" val="1"/>
+                </a:ext>
+              </a:extLst>
+            </p:cNvPr>
+            <p:cNvSpPr/>
+            <p:nvPr>
+              <p:extLst>
+                <p:ext uri="{386F3935-93C4-4BCD-93E2-E3B085C9AB24}">
+                  <p16:designElem xmlns:p16="http://schemas.microsoft.com/office/powerpoint/2015/main" val="1"/>
+                </p:ext>
+              </p:extLst>
+            </p:nvPr>
+          </p:nvSpPr>
+          <p:spPr>
+            <a:xfrm flipH="1">
+              <a:off x="10300855" y="0"/>
+              <a:ext cx="1891145" cy="1891145"/>
+            </a:xfrm>
+            <a:custGeom>
+              <a:avLst/>
+              <a:gdLst>
+                <a:gd name="connsiteX0" fmla="*/ 6861546 w 6861545"/>
+                <a:gd name="connsiteY0" fmla="*/ 6861546 h 6861545"/>
+                <a:gd name="connsiteX1" fmla="*/ 3435812 w 6861545"/>
+                <a:gd name="connsiteY1" fmla="*/ 6861546 h 6861545"/>
+                <a:gd name="connsiteX2" fmla="*/ 0 w 6861545"/>
+                <a:gd name="connsiteY2" fmla="*/ 3425734 h 6861545"/>
+                <a:gd name="connsiteX3" fmla="*/ 0 w 6861545"/>
+                <a:gd name="connsiteY3" fmla="*/ 0 h 6861545"/>
+                <a:gd name="connsiteX4" fmla="*/ 3425734 w 6861545"/>
+                <a:gd name="connsiteY4" fmla="*/ 0 h 6861545"/>
+                <a:gd name="connsiteX5" fmla="*/ 6861546 w 6861545"/>
+                <a:gd name="connsiteY5" fmla="*/ 3435812 h 6861545"/>
+                <a:gd name="connsiteX6" fmla="*/ 6861546 w 6861545"/>
+                <a:gd name="connsiteY6" fmla="*/ 6861546 h 6861545"/>
+              </a:gdLst>
+              <a:ahLst/>
+              <a:cxnLst>
+                <a:cxn ang="0">
+                  <a:pos x="connsiteX0" y="connsiteY0"/>
+                </a:cxn>
+                <a:cxn ang="0">
+                  <a:pos x="connsiteX1" y="connsiteY1"/>
+                </a:cxn>
+                <a:cxn ang="0">
+                  <a:pos x="connsiteX2" y="connsiteY2"/>
+                </a:cxn>
+                <a:cxn ang="0">
+                  <a:pos x="connsiteX3" y="connsiteY3"/>
+                </a:cxn>
+                <a:cxn ang="0">
+                  <a:pos x="connsiteX4" y="connsiteY4"/>
+                </a:cxn>
+                <a:cxn ang="0">
+                  <a:pos x="connsiteX5" y="connsiteY5"/>
+                </a:cxn>
+                <a:cxn ang="0">
+                  <a:pos x="connsiteX6" y="connsiteY6"/>
+                </a:cxn>
+              </a:cxnLst>
+              <a:rect l="l" t="t" r="r" b="b"/>
+              <a:pathLst>
+                <a:path w="6861545" h="6861545">
+                  <a:moveTo>
+                    <a:pt x="6861546" y="6861546"/>
+                  </a:moveTo>
+                  <a:lnTo>
+                    <a:pt x="3435812" y="6861546"/>
+                  </a:lnTo>
+                  <a:cubicBezTo>
+                    <a:pt x="1538245" y="6861546"/>
+                    <a:pt x="0" y="5323301"/>
+                    <a:pt x="0" y="3425734"/>
+                  </a:cubicBezTo>
+                  <a:lnTo>
+                    <a:pt x="0" y="0"/>
+                  </a:lnTo>
+                  <a:lnTo>
+                    <a:pt x="3425734" y="0"/>
+                  </a:lnTo>
+                  <a:cubicBezTo>
+                    <a:pt x="5323301" y="0"/>
+                    <a:pt x="6861546" y="1538245"/>
+                    <a:pt x="6861546" y="3435812"/>
+                  </a:cubicBezTo>
+                  <a:lnTo>
+                    <a:pt x="6861546" y="6861546"/>
+                  </a:lnTo>
+                  <a:close/>
+                </a:path>
+              </a:pathLst>
+            </a:custGeom>
+            <a:solidFill>
+              <a:schemeClr val="accent1">
+                <a:alpha val="60000"/>
+              </a:schemeClr>
+            </a:solidFill>
+            <a:ln w="9331" cap="flat">
+              <a:noFill/>
+              <a:prstDash val="solid"/>
+              <a:miter/>
+            </a:ln>
+          </p:spPr>
+          <p:txBody>
+            <a:bodyPr rtlCol="0" anchor="ctr"/>
+            <a:lstStyle>
+              <a:defPPr>
+                <a:defRPr lang="en-US"/>
+              </a:defPPr>
+              <a:lvl1pPr marL="0" algn="l" defTabSz="914400" rtl="0" eaLnBrk="1" latinLnBrk="0" hangingPunct="1">
+                <a:defRPr sz="1800" kern="1200">
+                  <a:solidFill>
+                    <a:schemeClr val="tx1"/>
+                  </a:solidFill>
+                  <a:latin typeface="+mn-lt"/>
+                  <a:ea typeface="+mn-ea"/>
+                  <a:cs typeface="+mn-cs"/>
+                </a:defRPr>
+              </a:lvl1pPr>
+              <a:lvl2pPr marL="457200" algn="l" defTabSz="914400" rtl="0" eaLnBrk="1" latinLnBrk="0" hangingPunct="1">
+                <a:defRPr sz="1800" kern="1200">
+                  <a:solidFill>
+                    <a:schemeClr val="tx1"/>
+                  </a:solidFill>
+                  <a:latin typeface="+mn-lt"/>
+                  <a:ea typeface="+mn-ea"/>
+                  <a:cs typeface="+mn-cs"/>
+                </a:defRPr>
+              </a:lvl2pPr>
+              <a:lvl3pPr marL="914400" algn="l" defTabSz="914400" rtl="0" eaLnBrk="1" latinLnBrk="0" hangingPunct="1">
+                <a:defRPr sz="1800" kern="1200">
+                  <a:solidFill>
+                    <a:schemeClr val="tx1"/>
+                  </a:solidFill>
+                  <a:latin typeface="+mn-lt"/>
+                  <a:ea typeface="+mn-ea"/>
+                  <a:cs typeface="+mn-cs"/>
+                </a:defRPr>
+              </a:lvl3pPr>
+              <a:lvl4pPr marL="1371600" algn="l" defTabSz="914400" rtl="0" eaLnBrk="1" latinLnBrk="0" hangingPunct="1">
+                <a:defRPr sz="1800" kern="1200">
+                  <a:solidFill>
+                    <a:schemeClr val="tx1"/>
+                  </a:solidFill>
+                  <a:latin typeface="+mn-lt"/>
+                  <a:ea typeface="+mn-ea"/>
+                  <a:cs typeface="+mn-cs"/>
+                </a:defRPr>
+              </a:lvl4pPr>
+              <a:lvl5pPr marL="1828800" algn="l" defTabSz="914400" rtl="0" eaLnBrk="1" latinLnBrk="0" hangingPunct="1">
+                <a:defRPr sz="1800" kern="1200">
+                  <a:solidFill>
+                    <a:schemeClr val="tx1"/>
+                  </a:solidFill>
+                  <a:latin typeface="+mn-lt"/>
+                  <a:ea typeface="+mn-ea"/>
+                  <a:cs typeface="+mn-cs"/>
+                </a:defRPr>
+              </a:lvl5pPr>
+              <a:lvl6pPr marL="2286000" algn="l" defTabSz="914400" rtl="0" eaLnBrk="1" latinLnBrk="0" hangingPunct="1">
+                <a:defRPr sz="1800" kern="1200">
+                  <a:solidFill>
+                    <a:schemeClr val="tx1"/>
+                  </a:solidFill>
+                  <a:latin typeface="+mn-lt"/>
+                  <a:ea typeface="+mn-ea"/>
+                  <a:cs typeface="+mn-cs"/>
+                </a:defRPr>
+              </a:lvl6pPr>
+              <a:lvl7pPr marL="2743200" algn="l" defTabSz="914400" rtl="0" eaLnBrk="1" latinLnBrk="0" hangingPunct="1">
+                <a:defRPr sz="1800" kern="1200">
+                  <a:solidFill>
+                    <a:schemeClr val="tx1"/>
+                  </a:solidFill>
+                  <a:latin typeface="+mn-lt"/>
+                  <a:ea typeface="+mn-ea"/>
+                  <a:cs typeface="+mn-cs"/>
+                </a:defRPr>
+              </a:lvl7pPr>
+              <a:lvl8pPr marL="3200400" algn="l" defTabSz="914400" rtl="0" eaLnBrk="1" latinLnBrk="0" hangingPunct="1">
+                <a:defRPr sz="1800" kern="1200">
+                  <a:solidFill>
+                    <a:schemeClr val="tx1"/>
+                  </a:solidFill>
+                  <a:latin typeface="+mn-lt"/>
+                  <a:ea typeface="+mn-ea"/>
+                  <a:cs typeface="+mn-cs"/>
+                </a:defRPr>
+              </a:lvl8pPr>
+              <a:lvl9pPr marL="3657600" algn="l" defTabSz="914400" rtl="0" eaLnBrk="1" latinLnBrk="0" hangingPunct="1">
+                <a:defRPr sz="1800" kern="1200">
+                  <a:solidFill>
+                    <a:schemeClr val="tx1"/>
+                  </a:solidFill>
+                  <a:latin typeface="+mn-lt"/>
+                  <a:ea typeface="+mn-ea"/>
+                  <a:cs typeface="+mn-cs"/>
+                </a:defRPr>
+              </a:lvl9pPr>
+            </a:lstStyle>
+            <a:p>
+              <a:endParaRPr lang="en-US" dirty="0"/>
+            </a:p>
+          </p:txBody>
+        </p:sp>
+        <p:sp>
+          <p:nvSpPr>
+            <p:cNvPr id="37" name="Graphic 9">
+              <a:extLst>
+                <a:ext uri="{FF2B5EF4-FFF2-40B4-BE49-F238E27FC236}">
+                  <a16:creationId xmlns:a16="http://schemas.microsoft.com/office/drawing/2014/main" id="{A26117A4-4B2F-495A-87A5-63E265B52620}"/>
+                </a:ext>
+                <a:ext uri="{C183D7F6-B498-43B3-948B-1728B52AA6E4}">
+                  <adec:decorative xmlns:adec="http://schemas.microsoft.com/office/drawing/2017/decorative" val="1"/>
+                </a:ext>
+              </a:extLst>
+            </p:cNvPr>
+            <p:cNvSpPr/>
+            <p:nvPr>
+              <p:extLst>
+                <p:ext uri="{386F3935-93C4-4BCD-93E2-E3B085C9AB24}">
+                  <p16:designElem xmlns:p16="http://schemas.microsoft.com/office/powerpoint/2015/main" val="1"/>
+                </p:ext>
+              </p:extLst>
+            </p:nvPr>
+          </p:nvSpPr>
+          <p:spPr>
+            <a:xfrm flipH="1">
+              <a:off x="10424367" y="122795"/>
+              <a:ext cx="1644119" cy="1644119"/>
+            </a:xfrm>
+            <a:custGeom>
+              <a:avLst/>
+              <a:gdLst>
+                <a:gd name="connsiteX0" fmla="*/ 6861546 w 6861545"/>
+                <a:gd name="connsiteY0" fmla="*/ 6861546 h 6861545"/>
+                <a:gd name="connsiteX1" fmla="*/ 3435812 w 6861545"/>
+                <a:gd name="connsiteY1" fmla="*/ 6861546 h 6861545"/>
+                <a:gd name="connsiteX2" fmla="*/ 0 w 6861545"/>
+                <a:gd name="connsiteY2" fmla="*/ 3425734 h 6861545"/>
+                <a:gd name="connsiteX3" fmla="*/ 0 w 6861545"/>
+                <a:gd name="connsiteY3" fmla="*/ 0 h 6861545"/>
+                <a:gd name="connsiteX4" fmla="*/ 3425734 w 6861545"/>
+                <a:gd name="connsiteY4" fmla="*/ 0 h 6861545"/>
+                <a:gd name="connsiteX5" fmla="*/ 6861546 w 6861545"/>
+                <a:gd name="connsiteY5" fmla="*/ 3435812 h 6861545"/>
+                <a:gd name="connsiteX6" fmla="*/ 6861546 w 6861545"/>
+                <a:gd name="connsiteY6" fmla="*/ 6861546 h 6861545"/>
+              </a:gdLst>
+              <a:ahLst/>
+              <a:cxnLst>
+                <a:cxn ang="0">
+                  <a:pos x="connsiteX0" y="connsiteY0"/>
+                </a:cxn>
+                <a:cxn ang="0">
+                  <a:pos x="connsiteX1" y="connsiteY1"/>
+                </a:cxn>
+                <a:cxn ang="0">
+                  <a:pos x="connsiteX2" y="connsiteY2"/>
+                </a:cxn>
+                <a:cxn ang="0">
+                  <a:pos x="connsiteX3" y="connsiteY3"/>
+                </a:cxn>
+                <a:cxn ang="0">
+                  <a:pos x="connsiteX4" y="connsiteY4"/>
+                </a:cxn>
+                <a:cxn ang="0">
+                  <a:pos x="connsiteX5" y="connsiteY5"/>
+                </a:cxn>
+                <a:cxn ang="0">
+                  <a:pos x="connsiteX6" y="connsiteY6"/>
+                </a:cxn>
+              </a:cxnLst>
+              <a:rect l="l" t="t" r="r" b="b"/>
+              <a:pathLst>
+                <a:path w="6861545" h="6861545">
+                  <a:moveTo>
+                    <a:pt x="6861546" y="6861546"/>
+                  </a:moveTo>
+                  <a:lnTo>
+                    <a:pt x="3435812" y="6861546"/>
+                  </a:lnTo>
+                  <a:cubicBezTo>
+                    <a:pt x="1538245" y="6861546"/>
+                    <a:pt x="0" y="5323301"/>
+                    <a:pt x="0" y="3425734"/>
+                  </a:cubicBezTo>
+                  <a:lnTo>
+                    <a:pt x="0" y="0"/>
+                  </a:lnTo>
+                  <a:lnTo>
+                    <a:pt x="3425734" y="0"/>
+                  </a:lnTo>
+                  <a:cubicBezTo>
+                    <a:pt x="5323301" y="0"/>
+                    <a:pt x="6861546" y="1538245"/>
+                    <a:pt x="6861546" y="3435812"/>
+                  </a:cubicBezTo>
+                  <a:lnTo>
+                    <a:pt x="6861546" y="6861546"/>
+                  </a:lnTo>
+                  <a:close/>
+                </a:path>
+              </a:pathLst>
+            </a:custGeom>
+            <a:pattFill prst="pct5">
+              <a:fgClr>
+                <a:schemeClr val="accent4">
+                  <a:lumMod val="60000"/>
+                  <a:lumOff val="40000"/>
+                </a:schemeClr>
+              </a:fgClr>
+              <a:bgClr>
+                <a:schemeClr val="accent1">
+                  <a:lumMod val="75000"/>
+                </a:schemeClr>
+              </a:bgClr>
+            </a:pattFill>
+            <a:ln w="9525" cap="flat">
+              <a:noFill/>
+              <a:prstDash val="solid"/>
+              <a:miter/>
+            </a:ln>
+          </p:spPr>
+          <p:txBody>
+            <a:bodyPr rtlCol="0" anchor="ctr"/>
+            <a:lstStyle>
+              <a:defPPr>
+                <a:defRPr lang="en-US"/>
+              </a:defPPr>
+              <a:lvl1pPr marL="0" algn="l" defTabSz="914400" rtl="0" eaLnBrk="1" latinLnBrk="0" hangingPunct="1">
+                <a:defRPr sz="1800" kern="1200">
+                  <a:solidFill>
+                    <a:schemeClr val="tx1"/>
+                  </a:solidFill>
+                  <a:latin typeface="+mn-lt"/>
+                  <a:ea typeface="+mn-ea"/>
+                  <a:cs typeface="+mn-cs"/>
+                </a:defRPr>
+              </a:lvl1pPr>
+              <a:lvl2pPr marL="457200" algn="l" defTabSz="914400" rtl="0" eaLnBrk="1" latinLnBrk="0" hangingPunct="1">
+                <a:defRPr sz="1800" kern="1200">
+                  <a:solidFill>
+                    <a:schemeClr val="tx1"/>
+                  </a:solidFill>
+                  <a:latin typeface="+mn-lt"/>
+                  <a:ea typeface="+mn-ea"/>
+                  <a:cs typeface="+mn-cs"/>
+                </a:defRPr>
+              </a:lvl2pPr>
+              <a:lvl3pPr marL="914400" algn="l" defTabSz="914400" rtl="0" eaLnBrk="1" latinLnBrk="0" hangingPunct="1">
+                <a:defRPr sz="1800" kern="1200">
+                  <a:solidFill>
+                    <a:schemeClr val="tx1"/>
+                  </a:solidFill>
+                  <a:latin typeface="+mn-lt"/>
+                  <a:ea typeface="+mn-ea"/>
+                  <a:cs typeface="+mn-cs"/>
+                </a:defRPr>
+              </a:lvl3pPr>
+              <a:lvl4pPr marL="1371600" algn="l" defTabSz="914400" rtl="0" eaLnBrk="1" latinLnBrk="0" hangingPunct="1">
+                <a:defRPr sz="1800" kern="1200">
+                  <a:solidFill>
+                    <a:schemeClr val="tx1"/>
+                  </a:solidFill>
+                  <a:latin typeface="+mn-lt"/>
+                  <a:ea typeface="+mn-ea"/>
+                  <a:cs typeface="+mn-cs"/>
+                </a:defRPr>
+              </a:lvl4pPr>
+              <a:lvl5pPr marL="1828800" algn="l" defTabSz="914400" rtl="0" eaLnBrk="1" latinLnBrk="0" hangingPunct="1">
+                <a:defRPr sz="1800" kern="1200">
+                  <a:solidFill>
+                    <a:schemeClr val="tx1"/>
+                  </a:solidFill>
+                  <a:latin typeface="+mn-lt"/>
+                  <a:ea typeface="+mn-ea"/>
+                  <a:cs typeface="+mn-cs"/>
+                </a:defRPr>
+              </a:lvl5pPr>
+              <a:lvl6pPr marL="2286000" algn="l" defTabSz="914400" rtl="0" eaLnBrk="1" latinLnBrk="0" hangingPunct="1">
+                <a:defRPr sz="1800" kern="1200">
+                  <a:solidFill>
+                    <a:schemeClr val="tx1"/>
+                  </a:solidFill>
+                  <a:latin typeface="+mn-lt"/>
+                  <a:ea typeface="+mn-ea"/>
+                  <a:cs typeface="+mn-cs"/>
+                </a:defRPr>
+              </a:lvl6pPr>
+              <a:lvl7pPr marL="2743200" algn="l" defTabSz="914400" rtl="0" eaLnBrk="1" latinLnBrk="0" hangingPunct="1">
+                <a:defRPr sz="1800" kern="1200">
+                  <a:solidFill>
+                    <a:schemeClr val="tx1"/>
+                  </a:solidFill>
+                  <a:latin typeface="+mn-lt"/>
+                  <a:ea typeface="+mn-ea"/>
+                  <a:cs typeface="+mn-cs"/>
+                </a:defRPr>
+              </a:lvl7pPr>
+              <a:lvl8pPr marL="3200400" algn="l" defTabSz="914400" rtl="0" eaLnBrk="1" latinLnBrk="0" hangingPunct="1">
+                <a:defRPr sz="1800" kern="1200">
+                  <a:solidFill>
+                    <a:schemeClr val="tx1"/>
+                  </a:solidFill>
+                  <a:latin typeface="+mn-lt"/>
+                  <a:ea typeface="+mn-ea"/>
+                  <a:cs typeface="+mn-cs"/>
+                </a:defRPr>
+              </a:lvl8pPr>
+              <a:lvl9pPr marL="3657600" algn="l" defTabSz="914400" rtl="0" eaLnBrk="1" latinLnBrk="0" hangingPunct="1">
+                <a:defRPr sz="1800" kern="1200">
+                  <a:solidFill>
+                    <a:schemeClr val="tx1"/>
+                  </a:solidFill>
+                  <a:latin typeface="+mn-lt"/>
+                  <a:ea typeface="+mn-ea"/>
+                  <a:cs typeface="+mn-cs"/>
+                </a:defRPr>
+              </a:lvl9pPr>
+            </a:lstStyle>
+            <a:p>
+              <a:endParaRPr lang="en-US" dirty="0"/>
+            </a:p>
+          </p:txBody>
+        </p:sp>
+      </p:grpSp>
       <p:sp>
         <p:nvSpPr>
-          <p:cNvPr id="5" name="Espace réservé du numéro de diapositive 4">
+          <p:cNvPr id="4" name="Espace réservé du numéro de diapositive 3">
             <a:extLst>
               <a:ext uri="{FF2B5EF4-FFF2-40B4-BE49-F238E27FC236}">
-                <a16:creationId xmlns:a16="http://schemas.microsoft.com/office/drawing/2014/main" id="{32BE43BA-20A4-304C-B9A0-414CED5AD29F}"/>
+                <a16:creationId xmlns:a16="http://schemas.microsoft.com/office/drawing/2014/main" id="{345AF9B8-6AD4-A746-AF39-9E6CF6D17263}"/>
               </a:ext>
             </a:extLst>
           </p:cNvPr>
@@ -35155,41 +36731,54 @@
             <p:ph type="sldNum" sz="quarter" idx="12"/>
           </p:nvPr>
         </p:nvSpPr>
-        <p:spPr/>
+        <p:spPr>
+          <a:xfrm>
+            <a:off x="10954512" y="6355080"/>
+            <a:ext cx="795528" cy="365760"/>
+          </a:xfrm>
+        </p:spPr>
         <p:txBody>
-          <a:bodyPr/>
+          <a:bodyPr>
+            <a:normAutofit/>
+          </a:bodyPr>
           <a:lstStyle/>
           <a:p>
+            <a:pPr>
+              <a:spcAft>
+                <a:spcPts val="600"/>
+              </a:spcAft>
+            </a:pPr>
             <a:fld id="{BD8A8A1B-4E1E-43EF-8A39-7D4A3879B941}" type="slidenum">
-              <a:rPr lang="en-US" smtClean="0"/>
+              <a:rPr lang="en-US">
+                <a:solidFill>
+                  <a:srgbClr val="FFFFFF"/>
+                </a:solidFill>
+              </a:rPr>
+              <a:pPr>
+                <a:spcAft>
+                  <a:spcPts val="600"/>
+                </a:spcAft>
+              </a:pPr>
               <a:t>9</a:t>
             </a:fld>
-            <a:endParaRPr lang="en-US"/>
+            <a:endParaRPr lang="en-US">
+              <a:solidFill>
+                <a:srgbClr val="FFFFFF"/>
+              </a:solidFill>
+            </a:endParaRPr>
           </a:p>
         </p:txBody>
       </p:sp>
     </p:spTree>
     <p:extLst>
       <p:ext uri="{BB962C8B-B14F-4D97-AF65-F5344CB8AC3E}">
-        <p14:creationId xmlns:p14="http://schemas.microsoft.com/office/powerpoint/2010/main" val="3908429661"/>
+        <p14:creationId xmlns:p14="http://schemas.microsoft.com/office/powerpoint/2010/main" val="928078066"/>
       </p:ext>
     </p:extLst>
   </p:cSld>
   <p:clrMapOvr>
     <a:masterClrMapping/>
   </p:clrMapOvr>
-  <mc:AlternateContent xmlns:mc="http://schemas.openxmlformats.org/markup-compatibility/2006">
-    <mc:Choice xmlns:p14="http://schemas.microsoft.com/office/powerpoint/2010/main" Requires="p14">
-      <p:transition spd="med" p14:dur="700">
-        <p:fade/>
-      </p:transition>
-    </mc:Choice>
-    <mc:Fallback>
-      <p:transition spd="med">
-        <p:fade/>
-      </p:transition>
-    </mc:Fallback>
-  </mc:AlternateContent>
 </p:sld>
 </file>
 
